--- a/Documentation/PilgrimPitch.pptx
+++ b/Documentation/PilgrimPitch.pptx
@@ -110,6 +110,11 @@
       </a:defRPr>
     </a:lvl9pPr>
   </p:defaultTextStyle>
+  <p:extLst>
+    <p:ext uri="{EFAFB233-063F-42B5-8137-9DF3F51BA10A}">
+      <p15:sldGuideLst xmlns:p15="http://schemas.microsoft.com/office/powerpoint/2012/main"/>
+    </p:ext>
+  </p:extLst>
 </p:presentation>
 </file>
 
@@ -246,7 +251,7 @@
           <a:p>
             <a:fld id="{A6E29226-23B2-4673-860C-296022B1A52E}" type="datetimeFigureOut">
               <a:rPr lang="en-US" smtClean="0"/>
-              <a:t>10/4/2018</a:t>
+              <a:t>10/7/2018</a:t>
             </a:fld>
             <a:endParaRPr lang="en-US"/>
           </a:p>
@@ -538,7 +543,7 @@
           <a:p>
             <a:fld id="{A6E29226-23B2-4673-860C-296022B1A52E}" type="datetimeFigureOut">
               <a:rPr lang="en-US" smtClean="0"/>
-              <a:t>10/4/2018</a:t>
+              <a:t>10/7/2018</a:t>
             </a:fld>
             <a:endParaRPr lang="en-US"/>
           </a:p>
@@ -730,7 +735,7 @@
           <a:p>
             <a:fld id="{A6E29226-23B2-4673-860C-296022B1A52E}" type="datetimeFigureOut">
               <a:rPr lang="en-US" smtClean="0"/>
-              <a:t>10/4/2018</a:t>
+              <a:t>10/7/2018</a:t>
             </a:fld>
             <a:endParaRPr lang="en-US"/>
           </a:p>
@@ -991,7 +996,7 @@
           <a:p>
             <a:fld id="{A6E29226-23B2-4673-860C-296022B1A52E}" type="datetimeFigureOut">
               <a:rPr lang="en-US" smtClean="0"/>
-              <a:t>10/4/2018</a:t>
+              <a:t>10/7/2018</a:t>
             </a:fld>
             <a:endParaRPr lang="en-US"/>
           </a:p>
@@ -1415,7 +1420,7 @@
           <a:p>
             <a:fld id="{A6E29226-23B2-4673-860C-296022B1A52E}" type="datetimeFigureOut">
               <a:rPr lang="en-US" smtClean="0"/>
-              <a:t>10/4/2018</a:t>
+              <a:t>10/7/2018</a:t>
             </a:fld>
             <a:endParaRPr lang="en-US"/>
           </a:p>
@@ -1961,7 +1966,7 @@
           <a:p>
             <a:fld id="{A6E29226-23B2-4673-860C-296022B1A52E}" type="datetimeFigureOut">
               <a:rPr lang="en-US" smtClean="0"/>
-              <a:t>10/4/2018</a:t>
+              <a:t>10/7/2018</a:t>
             </a:fld>
             <a:endParaRPr lang="en-US"/>
           </a:p>
@@ -2801,7 +2806,7 @@
           <a:p>
             <a:fld id="{A6E29226-23B2-4673-860C-296022B1A52E}" type="datetimeFigureOut">
               <a:rPr lang="en-US" smtClean="0"/>
-              <a:t>10/4/2018</a:t>
+              <a:t>10/7/2018</a:t>
             </a:fld>
             <a:endParaRPr lang="en-US"/>
           </a:p>
@@ -2971,7 +2976,7 @@
           <a:p>
             <a:fld id="{A6E29226-23B2-4673-860C-296022B1A52E}" type="datetimeFigureOut">
               <a:rPr lang="en-US" smtClean="0"/>
-              <a:t>10/4/2018</a:t>
+              <a:t>10/7/2018</a:t>
             </a:fld>
             <a:endParaRPr lang="en-US"/>
           </a:p>
@@ -3155,7 +3160,7 @@
           <a:p>
             <a:fld id="{A6E29226-23B2-4673-860C-296022B1A52E}" type="datetimeFigureOut">
               <a:rPr lang="en-US" smtClean="0"/>
-              <a:t>10/4/2018</a:t>
+              <a:t>10/7/2018</a:t>
             </a:fld>
             <a:endParaRPr lang="en-US"/>
           </a:p>
@@ -3330,7 +3335,7 @@
           <a:p>
             <a:fld id="{A6E29226-23B2-4673-860C-296022B1A52E}" type="datetimeFigureOut">
               <a:rPr lang="en-US" smtClean="0"/>
-              <a:t>10/4/2018</a:t>
+              <a:t>10/7/2018</a:t>
             </a:fld>
             <a:endParaRPr lang="en-US"/>
           </a:p>
@@ -3578,7 +3583,7 @@
           <a:p>
             <a:fld id="{A6E29226-23B2-4673-860C-296022B1A52E}" type="datetimeFigureOut">
               <a:rPr lang="en-US" smtClean="0"/>
-              <a:t>10/4/2018</a:t>
+              <a:t>10/7/2018</a:t>
             </a:fld>
             <a:endParaRPr lang="en-US"/>
           </a:p>
@@ -3820,7 +3825,7 @@
           <a:p>
             <a:fld id="{A6E29226-23B2-4673-860C-296022B1A52E}" type="datetimeFigureOut">
               <a:rPr lang="en-US" smtClean="0"/>
-              <a:t>10/4/2018</a:t>
+              <a:t>10/7/2018</a:t>
             </a:fld>
             <a:endParaRPr lang="en-US"/>
           </a:p>
@@ -4193,7 +4198,7 @@
           <a:p>
             <a:fld id="{A6E29226-23B2-4673-860C-296022B1A52E}" type="datetimeFigureOut">
               <a:rPr lang="en-US" smtClean="0"/>
-              <a:t>10/4/2018</a:t>
+              <a:t>10/7/2018</a:t>
             </a:fld>
             <a:endParaRPr lang="en-US"/>
           </a:p>
@@ -4311,7 +4316,7 @@
           <a:p>
             <a:fld id="{A6E29226-23B2-4673-860C-296022B1A52E}" type="datetimeFigureOut">
               <a:rPr lang="en-US" smtClean="0"/>
-              <a:t>10/4/2018</a:t>
+              <a:t>10/7/2018</a:t>
             </a:fld>
             <a:endParaRPr lang="en-US"/>
           </a:p>
@@ -4406,7 +4411,7 @@
           <a:p>
             <a:fld id="{A6E29226-23B2-4673-860C-296022B1A52E}" type="datetimeFigureOut">
               <a:rPr lang="en-US" smtClean="0"/>
-              <a:t>10/4/2018</a:t>
+              <a:t>10/7/2018</a:t>
             </a:fld>
             <a:endParaRPr lang="en-US"/>
           </a:p>
@@ -4657,7 +4662,7 @@
           <a:p>
             <a:fld id="{A6E29226-23B2-4673-860C-296022B1A52E}" type="datetimeFigureOut">
               <a:rPr lang="en-US" smtClean="0"/>
-              <a:t>10/4/2018</a:t>
+              <a:t>10/7/2018</a:t>
             </a:fld>
             <a:endParaRPr lang="en-US"/>
           </a:p>
@@ -4944,7 +4949,7 @@
           <a:p>
             <a:fld id="{A6E29226-23B2-4673-860C-296022B1A52E}" type="datetimeFigureOut">
               <a:rPr lang="en-US" smtClean="0"/>
-              <a:t>10/4/2018</a:t>
+              <a:t>10/7/2018</a:t>
             </a:fld>
             <a:endParaRPr lang="en-US"/>
           </a:p>
@@ -5157,7 +5162,7 @@
           <a:p>
             <a:fld id="{A6E29226-23B2-4673-860C-296022B1A52E}" type="datetimeFigureOut">
               <a:rPr lang="en-US" smtClean="0"/>
-              <a:t>10/4/2018</a:t>
+              <a:t>10/7/2018</a:t>
             </a:fld>
             <a:endParaRPr lang="en-US"/>
           </a:p>
@@ -6100,8 +6105,8 @@
         </p:blipFill>
         <p:spPr>
           <a:xfrm>
-            <a:off x="734699" y="1114091"/>
-            <a:ext cx="2599630" cy="4629817"/>
+            <a:off x="1127192" y="582412"/>
+            <a:ext cx="3193361" cy="5687224"/>
           </a:xfrm>
           <a:prstGeom prst="rect">
             <a:avLst/>
@@ -6130,8 +6135,38 @@
         </p:blipFill>
         <p:spPr>
           <a:xfrm>
-            <a:off x="4172639" y="1114091"/>
-            <a:ext cx="2596913" cy="4629818"/>
+            <a:off x="4499319" y="582412"/>
+            <a:ext cx="3193361" cy="5693175"/>
+          </a:xfrm>
+          <a:prstGeom prst="rect">
+            <a:avLst/>
+          </a:prstGeom>
+        </p:spPr>
+      </p:pic>
+      <p:pic>
+        <p:nvPicPr>
+          <p:cNvPr id="2" name="Picture 1">
+            <a:extLst>
+              <a:ext uri="{FF2B5EF4-FFF2-40B4-BE49-F238E27FC236}">
+                <a16:creationId xmlns:a16="http://schemas.microsoft.com/office/drawing/2014/main" id="{F0DF737A-EE56-4147-9512-A35F666E6570}"/>
+              </a:ext>
+            </a:extLst>
+          </p:cNvPr>
+          <p:cNvPicPr>
+            <a:picLocks noChangeAspect="1"/>
+          </p:cNvPicPr>
+          <p:nvPr/>
+        </p:nvPicPr>
+        <p:blipFill>
+          <a:blip r:embed="rId4"/>
+          <a:stretch>
+            <a:fillRect/>
+          </a:stretch>
+        </p:blipFill>
+        <p:spPr>
+          <a:xfrm>
+            <a:off x="7871446" y="582413"/>
+            <a:ext cx="3195524" cy="5687224"/>
           </a:xfrm>
           <a:prstGeom prst="rect">
             <a:avLst/>
@@ -6198,6 +6233,66 @@
           </a:prstGeom>
         </p:spPr>
       </p:pic>
+      <p:pic>
+        <p:nvPicPr>
+          <p:cNvPr id="2" name="Picture 1">
+            <a:extLst>
+              <a:ext uri="{FF2B5EF4-FFF2-40B4-BE49-F238E27FC236}">
+                <a16:creationId xmlns:a16="http://schemas.microsoft.com/office/drawing/2014/main" id="{82E6B0E9-86B4-4477-93BA-6514ED4AE5E0}"/>
+              </a:ext>
+            </a:extLst>
+          </p:cNvPr>
+          <p:cNvPicPr>
+            <a:picLocks noChangeAspect="1"/>
+          </p:cNvPicPr>
+          <p:nvPr/>
+        </p:nvPicPr>
+        <p:blipFill>
+          <a:blip r:embed="rId3"/>
+          <a:stretch>
+            <a:fillRect/>
+          </a:stretch>
+        </p:blipFill>
+        <p:spPr>
+          <a:xfrm>
+            <a:off x="4549499" y="687475"/>
+            <a:ext cx="3093002" cy="5483049"/>
+          </a:xfrm>
+          <a:prstGeom prst="rect">
+            <a:avLst/>
+          </a:prstGeom>
+        </p:spPr>
+      </p:pic>
+      <p:pic>
+        <p:nvPicPr>
+          <p:cNvPr id="3" name="Picture 2">
+            <a:extLst>
+              <a:ext uri="{FF2B5EF4-FFF2-40B4-BE49-F238E27FC236}">
+                <a16:creationId xmlns:a16="http://schemas.microsoft.com/office/drawing/2014/main" id="{D76B72E8-C345-433E-BE25-DF7AE6262C88}"/>
+              </a:ext>
+            </a:extLst>
+          </p:cNvPr>
+          <p:cNvPicPr>
+            <a:picLocks noChangeAspect="1"/>
+          </p:cNvPicPr>
+          <p:nvPr/>
+        </p:nvPicPr>
+        <p:blipFill>
+          <a:blip r:embed="rId4"/>
+          <a:stretch>
+            <a:fillRect/>
+          </a:stretch>
+        </p:blipFill>
+        <p:spPr>
+          <a:xfrm>
+            <a:off x="8201891" y="687475"/>
+            <a:ext cx="3081927" cy="5505122"/>
+          </a:xfrm>
+          <a:prstGeom prst="rect">
+            <a:avLst/>
+          </a:prstGeom>
+        </p:spPr>
+      </p:pic>
     </p:spTree>
     <p:extLst>
       <p:ext uri="{BB962C8B-B14F-4D97-AF65-F5344CB8AC3E}">
@@ -6343,35 +6438,36 @@
           </a:p>
         </p:txBody>
       </p:sp>
-      <p:sp>
-        <p:nvSpPr>
-          <p:cNvPr id="3" name="Content Placeholder 2">
+      <p:pic>
+        <p:nvPicPr>
+          <p:cNvPr id="6" name="Picture 5">
             <a:extLst>
               <a:ext uri="{FF2B5EF4-FFF2-40B4-BE49-F238E27FC236}">
-                <a16:creationId xmlns:a16="http://schemas.microsoft.com/office/drawing/2014/main" id="{1068F1E9-9FFA-41BD-AE18-C388A83AF831}"/>
+                <a16:creationId xmlns:a16="http://schemas.microsoft.com/office/drawing/2014/main" id="{EE65BBB7-683E-4CEC-B9B7-22D890D9E34E}"/>
               </a:ext>
             </a:extLst>
           </p:cNvPr>
-          <p:cNvSpPr>
-            <a:spLocks noGrp="1"/>
-          </p:cNvSpPr>
-          <p:nvPr>
-            <p:ph idx="1"/>
-          </p:nvPr>
-        </p:nvSpPr>
-        <p:spPr/>
-        <p:txBody>
-          <a:bodyPr/>
-          <a:lstStyle/>
-          <a:p>
-            <a:r>
-              <a:rPr lang="nl-BE" dirty="0"/>
-              <a:t>//insert pic van de eerste sprint</a:t>
-            </a:r>
-            <a:endParaRPr lang="en-US" dirty="0"/>
-          </a:p>
-        </p:txBody>
-      </p:sp>
+          <p:cNvPicPr>
+            <a:picLocks noChangeAspect="1"/>
+          </p:cNvPicPr>
+          <p:nvPr/>
+        </p:nvPicPr>
+        <p:blipFill>
+          <a:blip r:embed="rId2"/>
+          <a:stretch>
+            <a:fillRect/>
+          </a:stretch>
+        </p:blipFill>
+        <p:spPr>
+          <a:xfrm>
+            <a:off x="121688" y="2443731"/>
+            <a:ext cx="11948624" cy="1970538"/>
+          </a:xfrm>
+          <a:prstGeom prst="rect">
+            <a:avLst/>
+          </a:prstGeom>
+        </p:spPr>
+      </p:pic>
     </p:spTree>
     <p:extLst>
       <p:ext uri="{BB962C8B-B14F-4D97-AF65-F5344CB8AC3E}">

--- a/Documentation/PilgrimPitch.pptx
+++ b/Documentation/PilgrimPitch.pptx
@@ -251,7 +251,7 @@
           <a:p>
             <a:fld id="{A6E29226-23B2-4673-860C-296022B1A52E}" type="datetimeFigureOut">
               <a:rPr lang="en-US" smtClean="0"/>
-              <a:t>10/7/2018</a:t>
+              <a:t>07-Oct-18</a:t>
             </a:fld>
             <a:endParaRPr lang="en-US"/>
           </a:p>
@@ -543,7 +543,7 @@
           <a:p>
             <a:fld id="{A6E29226-23B2-4673-860C-296022B1A52E}" type="datetimeFigureOut">
               <a:rPr lang="en-US" smtClean="0"/>
-              <a:t>10/7/2018</a:t>
+              <a:t>07-Oct-18</a:t>
             </a:fld>
             <a:endParaRPr lang="en-US"/>
           </a:p>
@@ -735,7 +735,7 @@
           <a:p>
             <a:fld id="{A6E29226-23B2-4673-860C-296022B1A52E}" type="datetimeFigureOut">
               <a:rPr lang="en-US" smtClean="0"/>
-              <a:t>10/7/2018</a:t>
+              <a:t>07-Oct-18</a:t>
             </a:fld>
             <a:endParaRPr lang="en-US"/>
           </a:p>
@@ -996,7 +996,7 @@
           <a:p>
             <a:fld id="{A6E29226-23B2-4673-860C-296022B1A52E}" type="datetimeFigureOut">
               <a:rPr lang="en-US" smtClean="0"/>
-              <a:t>10/7/2018</a:t>
+              <a:t>07-Oct-18</a:t>
             </a:fld>
             <a:endParaRPr lang="en-US"/>
           </a:p>
@@ -1420,7 +1420,7 @@
           <a:p>
             <a:fld id="{A6E29226-23B2-4673-860C-296022B1A52E}" type="datetimeFigureOut">
               <a:rPr lang="en-US" smtClean="0"/>
-              <a:t>10/7/2018</a:t>
+              <a:t>07-Oct-18</a:t>
             </a:fld>
             <a:endParaRPr lang="en-US"/>
           </a:p>
@@ -1966,7 +1966,7 @@
           <a:p>
             <a:fld id="{A6E29226-23B2-4673-860C-296022B1A52E}" type="datetimeFigureOut">
               <a:rPr lang="en-US" smtClean="0"/>
-              <a:t>10/7/2018</a:t>
+              <a:t>07-Oct-18</a:t>
             </a:fld>
             <a:endParaRPr lang="en-US"/>
           </a:p>
@@ -2806,7 +2806,7 @@
           <a:p>
             <a:fld id="{A6E29226-23B2-4673-860C-296022B1A52E}" type="datetimeFigureOut">
               <a:rPr lang="en-US" smtClean="0"/>
-              <a:t>10/7/2018</a:t>
+              <a:t>07-Oct-18</a:t>
             </a:fld>
             <a:endParaRPr lang="en-US"/>
           </a:p>
@@ -2976,7 +2976,7 @@
           <a:p>
             <a:fld id="{A6E29226-23B2-4673-860C-296022B1A52E}" type="datetimeFigureOut">
               <a:rPr lang="en-US" smtClean="0"/>
-              <a:t>10/7/2018</a:t>
+              <a:t>07-Oct-18</a:t>
             </a:fld>
             <a:endParaRPr lang="en-US"/>
           </a:p>
@@ -3160,7 +3160,7 @@
           <a:p>
             <a:fld id="{A6E29226-23B2-4673-860C-296022B1A52E}" type="datetimeFigureOut">
               <a:rPr lang="en-US" smtClean="0"/>
-              <a:t>10/7/2018</a:t>
+              <a:t>07-Oct-18</a:t>
             </a:fld>
             <a:endParaRPr lang="en-US"/>
           </a:p>
@@ -3335,7 +3335,7 @@
           <a:p>
             <a:fld id="{A6E29226-23B2-4673-860C-296022B1A52E}" type="datetimeFigureOut">
               <a:rPr lang="en-US" smtClean="0"/>
-              <a:t>10/7/2018</a:t>
+              <a:t>07-Oct-18</a:t>
             </a:fld>
             <a:endParaRPr lang="en-US"/>
           </a:p>
@@ -3583,7 +3583,7 @@
           <a:p>
             <a:fld id="{A6E29226-23B2-4673-860C-296022B1A52E}" type="datetimeFigureOut">
               <a:rPr lang="en-US" smtClean="0"/>
-              <a:t>10/7/2018</a:t>
+              <a:t>07-Oct-18</a:t>
             </a:fld>
             <a:endParaRPr lang="en-US"/>
           </a:p>
@@ -3825,7 +3825,7 @@
           <a:p>
             <a:fld id="{A6E29226-23B2-4673-860C-296022B1A52E}" type="datetimeFigureOut">
               <a:rPr lang="en-US" smtClean="0"/>
-              <a:t>10/7/2018</a:t>
+              <a:t>07-Oct-18</a:t>
             </a:fld>
             <a:endParaRPr lang="en-US"/>
           </a:p>
@@ -4198,7 +4198,7 @@
           <a:p>
             <a:fld id="{A6E29226-23B2-4673-860C-296022B1A52E}" type="datetimeFigureOut">
               <a:rPr lang="en-US" smtClean="0"/>
-              <a:t>10/7/2018</a:t>
+              <a:t>07-Oct-18</a:t>
             </a:fld>
             <a:endParaRPr lang="en-US"/>
           </a:p>
@@ -4316,7 +4316,7 @@
           <a:p>
             <a:fld id="{A6E29226-23B2-4673-860C-296022B1A52E}" type="datetimeFigureOut">
               <a:rPr lang="en-US" smtClean="0"/>
-              <a:t>10/7/2018</a:t>
+              <a:t>07-Oct-18</a:t>
             </a:fld>
             <a:endParaRPr lang="en-US"/>
           </a:p>
@@ -4411,7 +4411,7 @@
           <a:p>
             <a:fld id="{A6E29226-23B2-4673-860C-296022B1A52E}" type="datetimeFigureOut">
               <a:rPr lang="en-US" smtClean="0"/>
-              <a:t>10/7/2018</a:t>
+              <a:t>07-Oct-18</a:t>
             </a:fld>
             <a:endParaRPr lang="en-US"/>
           </a:p>
@@ -4662,7 +4662,7 @@
           <a:p>
             <a:fld id="{A6E29226-23B2-4673-860C-296022B1A52E}" type="datetimeFigureOut">
               <a:rPr lang="en-US" smtClean="0"/>
-              <a:t>10/7/2018</a:t>
+              <a:t>07-Oct-18</a:t>
             </a:fld>
             <a:endParaRPr lang="en-US"/>
           </a:p>
@@ -4949,7 +4949,7 @@
           <a:p>
             <a:fld id="{A6E29226-23B2-4673-860C-296022B1A52E}" type="datetimeFigureOut">
               <a:rPr lang="en-US" smtClean="0"/>
-              <a:t>10/7/2018</a:t>
+              <a:t>07-Oct-18</a:t>
             </a:fld>
             <a:endParaRPr lang="en-US"/>
           </a:p>
@@ -5162,7 +5162,7 @@
           <a:p>
             <a:fld id="{A6E29226-23B2-4673-860C-296022B1A52E}" type="datetimeFigureOut">
               <a:rPr lang="en-US" smtClean="0"/>
-              <a:t>10/7/2018</a:t>
+              <a:t>07-Oct-18</a:t>
             </a:fld>
             <a:endParaRPr lang="en-US"/>
           </a:p>
@@ -6145,10 +6145,10 @@
       </p:pic>
       <p:pic>
         <p:nvPicPr>
-          <p:cNvPr id="2" name="Picture 1">
+          <p:cNvPr id="4" name="Picture 3">
             <a:extLst>
               <a:ext uri="{FF2B5EF4-FFF2-40B4-BE49-F238E27FC236}">
-                <a16:creationId xmlns:a16="http://schemas.microsoft.com/office/drawing/2014/main" id="{F0DF737A-EE56-4147-9512-A35F666E6570}"/>
+                <a16:creationId xmlns:a16="http://schemas.microsoft.com/office/drawing/2014/main" id="{F79E1E9E-B93C-458D-A298-287B47E1A652}"/>
               </a:ext>
             </a:extLst>
           </p:cNvPr>
@@ -6158,15 +6158,21 @@
           <p:nvPr/>
         </p:nvPicPr>
         <p:blipFill>
-          <a:blip r:embed="rId4"/>
+          <a:blip r:embed="rId4">
+            <a:extLst>
+              <a:ext uri="{28A0092B-C50C-407E-A947-70E740481C1C}">
+                <a14:useLocalDpi xmlns:a14="http://schemas.microsoft.com/office/drawing/2010/main" val="0"/>
+              </a:ext>
+            </a:extLst>
+          </a:blip>
           <a:stretch>
             <a:fillRect/>
           </a:stretch>
         </p:blipFill>
         <p:spPr>
           <a:xfrm>
-            <a:off x="7871446" y="582413"/>
-            <a:ext cx="3195524" cy="5687224"/>
+            <a:off x="7871446" y="582412"/>
+            <a:ext cx="3200400" cy="5686425"/>
           </a:xfrm>
           <a:prstGeom prst="rect">
             <a:avLst/>
@@ -6323,60 +6329,42 @@
           <a:chExt cx="0" cy="0"/>
         </a:xfrm>
       </p:grpSpPr>
-      <p:sp>
-        <p:nvSpPr>
-          <p:cNvPr id="2" name="Title 1">
+      <p:pic>
+        <p:nvPicPr>
+          <p:cNvPr id="9" name="Picture 8">
             <a:extLst>
               <a:ext uri="{FF2B5EF4-FFF2-40B4-BE49-F238E27FC236}">
-                <a16:creationId xmlns:a16="http://schemas.microsoft.com/office/drawing/2014/main" id="{1B658F73-AC89-45D5-B28B-205F25C28983}"/>
+                <a16:creationId xmlns:a16="http://schemas.microsoft.com/office/drawing/2014/main" id="{1CA0D193-2A25-4544-9A51-5785003974B0}"/>
               </a:ext>
             </a:extLst>
           </p:cNvPr>
-          <p:cNvSpPr>
-            <a:spLocks noGrp="1"/>
-          </p:cNvSpPr>
-          <p:nvPr>
-            <p:ph type="title"/>
-          </p:nvPr>
-        </p:nvSpPr>
-        <p:spPr/>
-        <p:txBody>
-          <a:bodyPr/>
-          <a:lstStyle/>
-          <a:p>
-            <a:endParaRPr lang="en-US" dirty="0"/>
-          </a:p>
-        </p:txBody>
-      </p:sp>
-      <p:sp>
-        <p:nvSpPr>
-          <p:cNvPr id="3" name="Content Placeholder 2">
+          <p:cNvPicPr>
+            <a:picLocks noChangeAspect="1"/>
+          </p:cNvPicPr>
+          <p:nvPr/>
+        </p:nvPicPr>
+        <p:blipFill>
+          <a:blip r:embed="rId2">
             <a:extLst>
-              <a:ext uri="{FF2B5EF4-FFF2-40B4-BE49-F238E27FC236}">
-                <a16:creationId xmlns:a16="http://schemas.microsoft.com/office/drawing/2014/main" id="{6564E8B9-FEC4-46C4-A952-E22AF9B78CB1}"/>
+              <a:ext uri="{28A0092B-C50C-407E-A947-70E740481C1C}">
+                <a14:useLocalDpi xmlns:a14="http://schemas.microsoft.com/office/drawing/2010/main" val="0"/>
               </a:ext>
             </a:extLst>
-          </p:cNvPr>
-          <p:cNvSpPr>
-            <a:spLocks noGrp="1"/>
-          </p:cNvSpPr>
-          <p:nvPr>
-            <p:ph idx="1"/>
-          </p:nvPr>
-        </p:nvSpPr>
-        <p:spPr/>
-        <p:txBody>
-          <a:bodyPr/>
-          <a:lstStyle/>
-          <a:p>
-            <a:r>
-              <a:rPr lang="nl-BE" dirty="0"/>
-              <a:t>//insert dataverloop schema</a:t>
-            </a:r>
-            <a:endParaRPr lang="en-US" dirty="0"/>
-          </a:p>
-        </p:txBody>
-      </p:sp>
+          </a:blip>
+          <a:stretch>
+            <a:fillRect/>
+          </a:stretch>
+        </p:blipFill>
+        <p:spPr>
+          <a:xfrm>
+            <a:off x="1143000" y="2271712"/>
+            <a:ext cx="9906000" cy="2314575"/>
+          </a:xfrm>
+          <a:prstGeom prst="rect">
+            <a:avLst/>
+          </a:prstGeom>
+        </p:spPr>
+      </p:pic>
     </p:spTree>
     <p:extLst>
       <p:ext uri="{BB962C8B-B14F-4D97-AF65-F5344CB8AC3E}">
@@ -6440,10 +6428,10 @@
       </p:sp>
       <p:pic>
         <p:nvPicPr>
-          <p:cNvPr id="6" name="Picture 5">
+          <p:cNvPr id="3" name="Picture 2">
             <a:extLst>
               <a:ext uri="{FF2B5EF4-FFF2-40B4-BE49-F238E27FC236}">
-                <a16:creationId xmlns:a16="http://schemas.microsoft.com/office/drawing/2014/main" id="{EE65BBB7-683E-4CEC-B9B7-22D890D9E34E}"/>
+                <a16:creationId xmlns:a16="http://schemas.microsoft.com/office/drawing/2014/main" id="{3660DF51-9E91-4F40-9316-E8FC5FEEE1FE}"/>
               </a:ext>
             </a:extLst>
           </p:cNvPr>
@@ -6460,8 +6448,8 @@
         </p:blipFill>
         <p:spPr>
           <a:xfrm>
-            <a:off x="121688" y="2443731"/>
-            <a:ext cx="11948624" cy="1970538"/>
+            <a:off x="528637" y="2452687"/>
+            <a:ext cx="11134725" cy="1952625"/>
           </a:xfrm>
           <a:prstGeom prst="rect">
             <a:avLst/>

--- a/Documentation/PilgrimPitch.pptx
+++ b/Documentation/PilgrimPitch.pptx
@@ -251,7 +251,7 @@
           <a:p>
             <a:fld id="{A6E29226-23B2-4673-860C-296022B1A52E}" type="datetimeFigureOut">
               <a:rPr lang="en-US" smtClean="0"/>
-              <a:t>07-Oct-18</a:t>
+              <a:t>10/8/2018</a:t>
             </a:fld>
             <a:endParaRPr lang="en-US"/>
           </a:p>
@@ -543,7 +543,7 @@
           <a:p>
             <a:fld id="{A6E29226-23B2-4673-860C-296022B1A52E}" type="datetimeFigureOut">
               <a:rPr lang="en-US" smtClean="0"/>
-              <a:t>07-Oct-18</a:t>
+              <a:t>10/8/2018</a:t>
             </a:fld>
             <a:endParaRPr lang="en-US"/>
           </a:p>
@@ -735,7 +735,7 @@
           <a:p>
             <a:fld id="{A6E29226-23B2-4673-860C-296022B1A52E}" type="datetimeFigureOut">
               <a:rPr lang="en-US" smtClean="0"/>
-              <a:t>07-Oct-18</a:t>
+              <a:t>10/8/2018</a:t>
             </a:fld>
             <a:endParaRPr lang="en-US"/>
           </a:p>
@@ -996,7 +996,7 @@
           <a:p>
             <a:fld id="{A6E29226-23B2-4673-860C-296022B1A52E}" type="datetimeFigureOut">
               <a:rPr lang="en-US" smtClean="0"/>
-              <a:t>07-Oct-18</a:t>
+              <a:t>10/8/2018</a:t>
             </a:fld>
             <a:endParaRPr lang="en-US"/>
           </a:p>
@@ -1420,7 +1420,7 @@
           <a:p>
             <a:fld id="{A6E29226-23B2-4673-860C-296022B1A52E}" type="datetimeFigureOut">
               <a:rPr lang="en-US" smtClean="0"/>
-              <a:t>07-Oct-18</a:t>
+              <a:t>10/8/2018</a:t>
             </a:fld>
             <a:endParaRPr lang="en-US"/>
           </a:p>
@@ -1966,7 +1966,7 @@
           <a:p>
             <a:fld id="{A6E29226-23B2-4673-860C-296022B1A52E}" type="datetimeFigureOut">
               <a:rPr lang="en-US" smtClean="0"/>
-              <a:t>07-Oct-18</a:t>
+              <a:t>10/8/2018</a:t>
             </a:fld>
             <a:endParaRPr lang="en-US"/>
           </a:p>
@@ -2806,7 +2806,7 @@
           <a:p>
             <a:fld id="{A6E29226-23B2-4673-860C-296022B1A52E}" type="datetimeFigureOut">
               <a:rPr lang="en-US" smtClean="0"/>
-              <a:t>07-Oct-18</a:t>
+              <a:t>10/8/2018</a:t>
             </a:fld>
             <a:endParaRPr lang="en-US"/>
           </a:p>
@@ -2976,7 +2976,7 @@
           <a:p>
             <a:fld id="{A6E29226-23B2-4673-860C-296022B1A52E}" type="datetimeFigureOut">
               <a:rPr lang="en-US" smtClean="0"/>
-              <a:t>07-Oct-18</a:t>
+              <a:t>10/8/2018</a:t>
             </a:fld>
             <a:endParaRPr lang="en-US"/>
           </a:p>
@@ -3160,7 +3160,7 @@
           <a:p>
             <a:fld id="{A6E29226-23B2-4673-860C-296022B1A52E}" type="datetimeFigureOut">
               <a:rPr lang="en-US" smtClean="0"/>
-              <a:t>07-Oct-18</a:t>
+              <a:t>10/8/2018</a:t>
             </a:fld>
             <a:endParaRPr lang="en-US"/>
           </a:p>
@@ -3335,7 +3335,7 @@
           <a:p>
             <a:fld id="{A6E29226-23B2-4673-860C-296022B1A52E}" type="datetimeFigureOut">
               <a:rPr lang="en-US" smtClean="0"/>
-              <a:t>07-Oct-18</a:t>
+              <a:t>10/8/2018</a:t>
             </a:fld>
             <a:endParaRPr lang="en-US"/>
           </a:p>
@@ -3583,7 +3583,7 @@
           <a:p>
             <a:fld id="{A6E29226-23B2-4673-860C-296022B1A52E}" type="datetimeFigureOut">
               <a:rPr lang="en-US" smtClean="0"/>
-              <a:t>07-Oct-18</a:t>
+              <a:t>10/8/2018</a:t>
             </a:fld>
             <a:endParaRPr lang="en-US"/>
           </a:p>
@@ -3825,7 +3825,7 @@
           <a:p>
             <a:fld id="{A6E29226-23B2-4673-860C-296022B1A52E}" type="datetimeFigureOut">
               <a:rPr lang="en-US" smtClean="0"/>
-              <a:t>07-Oct-18</a:t>
+              <a:t>10/8/2018</a:t>
             </a:fld>
             <a:endParaRPr lang="en-US"/>
           </a:p>
@@ -4198,7 +4198,7 @@
           <a:p>
             <a:fld id="{A6E29226-23B2-4673-860C-296022B1A52E}" type="datetimeFigureOut">
               <a:rPr lang="en-US" smtClean="0"/>
-              <a:t>07-Oct-18</a:t>
+              <a:t>10/8/2018</a:t>
             </a:fld>
             <a:endParaRPr lang="en-US"/>
           </a:p>
@@ -4316,7 +4316,7 @@
           <a:p>
             <a:fld id="{A6E29226-23B2-4673-860C-296022B1A52E}" type="datetimeFigureOut">
               <a:rPr lang="en-US" smtClean="0"/>
-              <a:t>07-Oct-18</a:t>
+              <a:t>10/8/2018</a:t>
             </a:fld>
             <a:endParaRPr lang="en-US"/>
           </a:p>
@@ -4411,7 +4411,7 @@
           <a:p>
             <a:fld id="{A6E29226-23B2-4673-860C-296022B1A52E}" type="datetimeFigureOut">
               <a:rPr lang="en-US" smtClean="0"/>
-              <a:t>07-Oct-18</a:t>
+              <a:t>10/8/2018</a:t>
             </a:fld>
             <a:endParaRPr lang="en-US"/>
           </a:p>
@@ -4662,7 +4662,7 @@
           <a:p>
             <a:fld id="{A6E29226-23B2-4673-860C-296022B1A52E}" type="datetimeFigureOut">
               <a:rPr lang="en-US" smtClean="0"/>
-              <a:t>07-Oct-18</a:t>
+              <a:t>10/8/2018</a:t>
             </a:fld>
             <a:endParaRPr lang="en-US"/>
           </a:p>
@@ -4949,7 +4949,7 @@
           <a:p>
             <a:fld id="{A6E29226-23B2-4673-860C-296022B1A52E}" type="datetimeFigureOut">
               <a:rPr lang="en-US" smtClean="0"/>
-              <a:t>07-Oct-18</a:t>
+              <a:t>10/8/2018</a:t>
             </a:fld>
             <a:endParaRPr lang="en-US"/>
           </a:p>
@@ -5162,7 +5162,7 @@
           <a:p>
             <a:fld id="{A6E29226-23B2-4673-860C-296022B1A52E}" type="datetimeFigureOut">
               <a:rPr lang="en-US" smtClean="0"/>
-              <a:t>07-Oct-18</a:t>
+              <a:t>10/8/2018</a:t>
             </a:fld>
             <a:endParaRPr lang="en-US"/>
           </a:p>
@@ -5834,7 +5834,7 @@
           <a:p>
             <a:r>
               <a:rPr lang="nl-BE" dirty="0"/>
-              <a:t>AI (Vuforia)</a:t>
+              <a:t>AR (Vuforia)</a:t>
             </a:r>
           </a:p>
           <a:p>
